--- a/assets/relative_risk/relative_risk_map_2022_annotated.pptx
+++ b/assets/relative_risk/relative_risk_map_2022_annotated.pptx
@@ -3339,10 +3339,10 @@
       </p:grpSpPr>
       <p:grpSp>
         <p:nvGrpSpPr>
-          <p:cNvPr id="29" name="Group 28">
-            <a:extLst>
-              <a:ext uri="{FF2B5EF4-FFF2-40B4-BE49-F238E27FC236}">
-                <a16:creationId xmlns:a16="http://schemas.microsoft.com/office/drawing/2014/main" id="{8921BE7E-4BFE-3A19-B2E2-0BE58F5BF3BE}"/>
+          <p:cNvPr id="2" name="Group 1">
+            <a:extLst>
+              <a:ext uri="{FF2B5EF4-FFF2-40B4-BE49-F238E27FC236}">
+                <a16:creationId xmlns:a16="http://schemas.microsoft.com/office/drawing/2014/main" id="{2073AEF8-BCD5-6779-EE7D-8A47B189BC56}"/>
               </a:ext>
             </a:extLst>
           </p:cNvPr>
